--- a/ProjetReview1.pptx
+++ b/ProjetReview1.pptx
@@ -275,7 +275,7 @@
             <a:fld id="{EFC10EE1-B198-C942-8235-326C972CBB30}" type="datetimeFigureOut">
               <a:rPr lang="en-US" smtClean="0"/>
               <a:pPr/>
-              <a:t>2/13/2020</a:t>
+              <a:t>2/21/2020</a:t>
             </a:fld>
             <a:endParaRPr lang="en-US" dirty="0"/>
           </a:p>
@@ -1111,7 +1111,7 @@
             <a:fld id="{A0C21A69-CE6F-2440-BAE4-5A4B3040CF2A}" type="datetimeFigureOut">
               <a:rPr lang="en-US" smtClean="0"/>
               <a:pPr/>
-              <a:t>2/13/2020</a:t>
+              <a:t>2/21/2020</a:t>
             </a:fld>
             <a:endParaRPr lang="en-US"/>
           </a:p>
@@ -2174,8 +2174,41 @@
                 <a:ea typeface="Segoe UI Black" panose="020B0A02040204020203" pitchFamily="34" charset="0"/>
                 <a:cs typeface="Segoe UI Black" panose="020B0A02040204020203" pitchFamily="34" charset="0"/>
               </a:rPr>
-              <a:t>Major Dr. V. A. Narayana</a:t>
-            </a:r>
+              <a:t>Major Dr. V. A. </a:t>
+            </a:r>
+            <a:r>
+              <a:rPr lang="en-US" sz="2800" dirty="0" smtClean="0">
+                <a:solidFill>
+                  <a:srgbClr val="393E46"/>
+                </a:solidFill>
+                <a:latin typeface="Segoe UI Black" panose="020B0A02040204020203" pitchFamily="34" charset="0"/>
+                <a:ea typeface="Segoe UI Black" panose="020B0A02040204020203" pitchFamily="34" charset="0"/>
+                <a:cs typeface="Segoe UI Black" panose="020B0A02040204020203" pitchFamily="34" charset="0"/>
+              </a:rPr>
+              <a:t>Narayana</a:t>
+            </a:r>
+          </a:p>
+          <a:p>
+            <a:pPr algn="ctr"/>
+            <a:r>
+              <a:rPr lang="en-US" sz="2800" smtClean="0">
+                <a:solidFill>
+                  <a:srgbClr val="393E46"/>
+                </a:solidFill>
+                <a:latin typeface="Segoe UI Black" panose="020B0A02040204020203" pitchFamily="34" charset="0"/>
+                <a:ea typeface="Segoe UI Black" panose="020B0A02040204020203" pitchFamily="34" charset="0"/>
+                <a:cs typeface="Segoe UI Black" panose="020B0A02040204020203" pitchFamily="34" charset="0"/>
+              </a:rPr>
+              <a:t>Principal CMRCET</a:t>
+            </a:r>
+            <a:endParaRPr lang="en-US" sz="2800" dirty="0" smtClean="0">
+              <a:solidFill>
+                <a:srgbClr val="393E46"/>
+              </a:solidFill>
+              <a:latin typeface="Segoe UI Black" panose="020B0A02040204020203" pitchFamily="34" charset="0"/>
+              <a:ea typeface="Segoe UI Black" panose="020B0A02040204020203" pitchFamily="34" charset="0"/>
+              <a:cs typeface="Segoe UI Black" panose="020B0A02040204020203" pitchFamily="34" charset="0"/>
+            </a:endParaRPr>
           </a:p>
         </p:txBody>
       </p:sp>
